--- a/ppt 16-9/1128.抛开属地的追.pptx
+++ b/ppt 16-9/1128.抛开属地的追.pptx
@@ -5,7 +5,7 @@
     <p:sldMasterId id="2147483648" r:id="rId1"/>
   </p:sldMasterIdLst>
   <p:sldIdLst>
-    <p:sldId id="611" r:id="rId2"/>
+    <p:sldId id="613" r:id="rId2"/>
   </p:sldIdLst>
   <p:sldSz cx="12192000" cy="6858000"/>
   <p:notesSz cx="6858000" cy="9144000"/>
@@ -129,7 +129,7 @@
           <p:cNvPr id="2" name="标题 1">
             <a:extLst>
               <a:ext uri="{FF2B5EF4-FFF2-40B4-BE49-F238E27FC236}">
-                <a16:creationId xmlns:a16="http://schemas.microsoft.com/office/drawing/2014/main" id="{EFB6921B-2C83-BF20-1D8C-8E847FB33C0A}"/>
+                <a16:creationId xmlns:a16="http://schemas.microsoft.com/office/drawing/2014/main" id="{9856A0C7-363F-DBD3-ECAB-B5EE3343F8DE}"/>
               </a:ext>
             </a:extLst>
           </p:cNvPr>
@@ -166,7 +166,7 @@
           <p:cNvPr id="3" name="副标题 2">
             <a:extLst>
               <a:ext uri="{FF2B5EF4-FFF2-40B4-BE49-F238E27FC236}">
-                <a16:creationId xmlns:a16="http://schemas.microsoft.com/office/drawing/2014/main" id="{BD22B9D2-8A60-EB16-EB99-1F07DAFDD0D3}"/>
+                <a16:creationId xmlns:a16="http://schemas.microsoft.com/office/drawing/2014/main" id="{55317046-0DC6-E785-0433-3953D9D28201}"/>
               </a:ext>
             </a:extLst>
           </p:cNvPr>
@@ -236,7 +236,7 @@
           <p:cNvPr id="4" name="日期占位符 3">
             <a:extLst>
               <a:ext uri="{FF2B5EF4-FFF2-40B4-BE49-F238E27FC236}">
-                <a16:creationId xmlns:a16="http://schemas.microsoft.com/office/drawing/2014/main" id="{B9A5306E-C9CF-1043-C27A-EC3972ABFAF8}"/>
+                <a16:creationId xmlns:a16="http://schemas.microsoft.com/office/drawing/2014/main" id="{20225901-3CA1-EE2A-4DF7-6A3C9FC3E798}"/>
               </a:ext>
             </a:extLst>
           </p:cNvPr>
@@ -252,7 +252,7 @@
           <a:bodyPr/>
           <a:lstStyle/>
           <a:p>
-            <a:fld id="{2B399C0D-B1AF-471C-8744-A674DDD1ADF7}" type="datetimeFigureOut">
+            <a:fld id="{2ED8842E-FB4A-469B-8337-4248D3E82EE0}" type="datetimeFigureOut">
               <a:rPr lang="zh-CN" altLang="en-US" smtClean="0"/>
               <a:t>2024/3/10</a:t>
             </a:fld>
@@ -265,7 +265,7 @@
           <p:cNvPr id="5" name="页脚占位符 4">
             <a:extLst>
               <a:ext uri="{FF2B5EF4-FFF2-40B4-BE49-F238E27FC236}">
-                <a16:creationId xmlns:a16="http://schemas.microsoft.com/office/drawing/2014/main" id="{5F865159-41C7-9772-0E22-7C98CB3CD7B6}"/>
+                <a16:creationId xmlns:a16="http://schemas.microsoft.com/office/drawing/2014/main" id="{BB1A9678-E927-4C0E-C721-ECF6C52E609A}"/>
               </a:ext>
             </a:extLst>
           </p:cNvPr>
@@ -290,7 +290,7 @@
           <p:cNvPr id="6" name="灯片编号占位符 5">
             <a:extLst>
               <a:ext uri="{FF2B5EF4-FFF2-40B4-BE49-F238E27FC236}">
-                <a16:creationId xmlns:a16="http://schemas.microsoft.com/office/drawing/2014/main" id="{930488CC-E4EF-C61F-54B8-196E7BF34094}"/>
+                <a16:creationId xmlns:a16="http://schemas.microsoft.com/office/drawing/2014/main" id="{F92AA950-0C37-28C3-458D-0AC86EA94057}"/>
               </a:ext>
             </a:extLst>
           </p:cNvPr>
@@ -306,7 +306,7 @@
           <a:bodyPr/>
           <a:lstStyle/>
           <a:p>
-            <a:fld id="{C5B8E292-C179-47E0-A05A-123B148DD652}" type="slidenum">
+            <a:fld id="{EE7692A8-9DFC-4372-89B5-04ADEDB6990D}" type="slidenum">
               <a:rPr lang="zh-CN" altLang="en-US" smtClean="0"/>
               <a:t>‹#›</a:t>
             </a:fld>
@@ -317,7 +317,7 @@
     </p:spTree>
     <p:extLst>
       <p:ext uri="{BB962C8B-B14F-4D97-AF65-F5344CB8AC3E}">
-        <p14:creationId xmlns:p14="http://schemas.microsoft.com/office/powerpoint/2010/main" val="2502245620"/>
+        <p14:creationId xmlns:p14="http://schemas.microsoft.com/office/powerpoint/2010/main" val="4033127154"/>
       </p:ext>
     </p:extLst>
   </p:cSld>
@@ -349,7 +349,7 @@
           <p:cNvPr id="2" name="标题 1">
             <a:extLst>
               <a:ext uri="{FF2B5EF4-FFF2-40B4-BE49-F238E27FC236}">
-                <a16:creationId xmlns:a16="http://schemas.microsoft.com/office/drawing/2014/main" id="{78B5C3A6-9EB1-711D-1C66-CE7D774B3E46}"/>
+                <a16:creationId xmlns:a16="http://schemas.microsoft.com/office/drawing/2014/main" id="{7E39467E-1826-A32C-8F1D-74A1E8847759}"/>
               </a:ext>
             </a:extLst>
           </p:cNvPr>
@@ -377,7 +377,7 @@
           <p:cNvPr id="3" name="竖排文字占位符 2">
             <a:extLst>
               <a:ext uri="{FF2B5EF4-FFF2-40B4-BE49-F238E27FC236}">
-                <a16:creationId xmlns:a16="http://schemas.microsoft.com/office/drawing/2014/main" id="{E05AC2CF-9861-8AFF-3930-017671F45088}"/>
+                <a16:creationId xmlns:a16="http://schemas.microsoft.com/office/drawing/2014/main" id="{0B198DC2-452B-F967-D79D-982152BD9B50}"/>
               </a:ext>
             </a:extLst>
           </p:cNvPr>
@@ -434,7 +434,7 @@
           <p:cNvPr id="4" name="日期占位符 3">
             <a:extLst>
               <a:ext uri="{FF2B5EF4-FFF2-40B4-BE49-F238E27FC236}">
-                <a16:creationId xmlns:a16="http://schemas.microsoft.com/office/drawing/2014/main" id="{CF433DE6-204E-94E3-1459-F51847C242BD}"/>
+                <a16:creationId xmlns:a16="http://schemas.microsoft.com/office/drawing/2014/main" id="{997B92BE-77A3-0EE8-3616-3F2F79C45144}"/>
               </a:ext>
             </a:extLst>
           </p:cNvPr>
@@ -450,7 +450,7 @@
           <a:bodyPr/>
           <a:lstStyle/>
           <a:p>
-            <a:fld id="{2B399C0D-B1AF-471C-8744-A674DDD1ADF7}" type="datetimeFigureOut">
+            <a:fld id="{2ED8842E-FB4A-469B-8337-4248D3E82EE0}" type="datetimeFigureOut">
               <a:rPr lang="zh-CN" altLang="en-US" smtClean="0"/>
               <a:t>2024/3/10</a:t>
             </a:fld>
@@ -463,7 +463,7 @@
           <p:cNvPr id="5" name="页脚占位符 4">
             <a:extLst>
               <a:ext uri="{FF2B5EF4-FFF2-40B4-BE49-F238E27FC236}">
-                <a16:creationId xmlns:a16="http://schemas.microsoft.com/office/drawing/2014/main" id="{244EA5FE-F630-D93B-C6DB-388EBECAA544}"/>
+                <a16:creationId xmlns:a16="http://schemas.microsoft.com/office/drawing/2014/main" id="{D3073FD0-714B-FC88-8DA2-783C2BE7D0A4}"/>
               </a:ext>
             </a:extLst>
           </p:cNvPr>
@@ -488,7 +488,7 @@
           <p:cNvPr id="6" name="灯片编号占位符 5">
             <a:extLst>
               <a:ext uri="{FF2B5EF4-FFF2-40B4-BE49-F238E27FC236}">
-                <a16:creationId xmlns:a16="http://schemas.microsoft.com/office/drawing/2014/main" id="{F75E0AE5-FE3E-A44A-E710-F555F8B16739}"/>
+                <a16:creationId xmlns:a16="http://schemas.microsoft.com/office/drawing/2014/main" id="{CC18EBDB-4C0C-F472-C761-D93F7F18FFC3}"/>
               </a:ext>
             </a:extLst>
           </p:cNvPr>
@@ -504,7 +504,7 @@
           <a:bodyPr/>
           <a:lstStyle/>
           <a:p>
-            <a:fld id="{C5B8E292-C179-47E0-A05A-123B148DD652}" type="slidenum">
+            <a:fld id="{EE7692A8-9DFC-4372-89B5-04ADEDB6990D}" type="slidenum">
               <a:rPr lang="zh-CN" altLang="en-US" smtClean="0"/>
               <a:t>‹#›</a:t>
             </a:fld>
@@ -515,7 +515,7 @@
     </p:spTree>
     <p:extLst>
       <p:ext uri="{BB962C8B-B14F-4D97-AF65-F5344CB8AC3E}">
-        <p14:creationId xmlns:p14="http://schemas.microsoft.com/office/powerpoint/2010/main" val="206867919"/>
+        <p14:creationId xmlns:p14="http://schemas.microsoft.com/office/powerpoint/2010/main" val="1989315136"/>
       </p:ext>
     </p:extLst>
   </p:cSld>
@@ -547,7 +547,7 @@
           <p:cNvPr id="2" name="竖排标题 1">
             <a:extLst>
               <a:ext uri="{FF2B5EF4-FFF2-40B4-BE49-F238E27FC236}">
-                <a16:creationId xmlns:a16="http://schemas.microsoft.com/office/drawing/2014/main" id="{D681045A-A1AA-AE86-BE68-1F8360D53D78}"/>
+                <a16:creationId xmlns:a16="http://schemas.microsoft.com/office/drawing/2014/main" id="{EA76B1BD-DDC2-AF8B-11F8-E1FBBFAA496C}"/>
               </a:ext>
             </a:extLst>
           </p:cNvPr>
@@ -580,7 +580,7 @@
           <p:cNvPr id="3" name="竖排文字占位符 2">
             <a:extLst>
               <a:ext uri="{FF2B5EF4-FFF2-40B4-BE49-F238E27FC236}">
-                <a16:creationId xmlns:a16="http://schemas.microsoft.com/office/drawing/2014/main" id="{E2969884-E3A5-D13B-F5D2-B0BA2B9A777B}"/>
+                <a16:creationId xmlns:a16="http://schemas.microsoft.com/office/drawing/2014/main" id="{016FA870-59E8-A235-2216-7C647A394DBA}"/>
               </a:ext>
             </a:extLst>
           </p:cNvPr>
@@ -642,7 +642,7 @@
           <p:cNvPr id="4" name="日期占位符 3">
             <a:extLst>
               <a:ext uri="{FF2B5EF4-FFF2-40B4-BE49-F238E27FC236}">
-                <a16:creationId xmlns:a16="http://schemas.microsoft.com/office/drawing/2014/main" id="{FECCF3A8-32F5-46EE-1B6B-C49090EC9D5A}"/>
+                <a16:creationId xmlns:a16="http://schemas.microsoft.com/office/drawing/2014/main" id="{701550B8-78E8-0F8B-70DD-AE45517AEF20}"/>
               </a:ext>
             </a:extLst>
           </p:cNvPr>
@@ -658,7 +658,7 @@
           <a:bodyPr/>
           <a:lstStyle/>
           <a:p>
-            <a:fld id="{2B399C0D-B1AF-471C-8744-A674DDD1ADF7}" type="datetimeFigureOut">
+            <a:fld id="{2ED8842E-FB4A-469B-8337-4248D3E82EE0}" type="datetimeFigureOut">
               <a:rPr lang="zh-CN" altLang="en-US" smtClean="0"/>
               <a:t>2024/3/10</a:t>
             </a:fld>
@@ -671,7 +671,7 @@
           <p:cNvPr id="5" name="页脚占位符 4">
             <a:extLst>
               <a:ext uri="{FF2B5EF4-FFF2-40B4-BE49-F238E27FC236}">
-                <a16:creationId xmlns:a16="http://schemas.microsoft.com/office/drawing/2014/main" id="{5EC1887E-679A-0092-5697-661167ED4ACC}"/>
+                <a16:creationId xmlns:a16="http://schemas.microsoft.com/office/drawing/2014/main" id="{153BF8A0-F287-593B-9C16-215C341F9B3B}"/>
               </a:ext>
             </a:extLst>
           </p:cNvPr>
@@ -696,7 +696,7 @@
           <p:cNvPr id="6" name="灯片编号占位符 5">
             <a:extLst>
               <a:ext uri="{FF2B5EF4-FFF2-40B4-BE49-F238E27FC236}">
-                <a16:creationId xmlns:a16="http://schemas.microsoft.com/office/drawing/2014/main" id="{2ACC5354-6B1D-D6BB-842D-F260047B6C45}"/>
+                <a16:creationId xmlns:a16="http://schemas.microsoft.com/office/drawing/2014/main" id="{0F196866-7302-A141-F3C0-9FF702E051E1}"/>
               </a:ext>
             </a:extLst>
           </p:cNvPr>
@@ -712,7 +712,7 @@
           <a:bodyPr/>
           <a:lstStyle/>
           <a:p>
-            <a:fld id="{C5B8E292-C179-47E0-A05A-123B148DD652}" type="slidenum">
+            <a:fld id="{EE7692A8-9DFC-4372-89B5-04ADEDB6990D}" type="slidenum">
               <a:rPr lang="zh-CN" altLang="en-US" smtClean="0"/>
               <a:t>‹#›</a:t>
             </a:fld>
@@ -723,7 +723,7 @@
     </p:spTree>
     <p:extLst>
       <p:ext uri="{BB962C8B-B14F-4D97-AF65-F5344CB8AC3E}">
-        <p14:creationId xmlns:p14="http://schemas.microsoft.com/office/powerpoint/2010/main" val="3694543870"/>
+        <p14:creationId xmlns:p14="http://schemas.microsoft.com/office/powerpoint/2010/main" val="2980757034"/>
       </p:ext>
     </p:extLst>
   </p:cSld>
@@ -755,7 +755,7 @@
           <p:cNvPr id="2" name="标题 1">
             <a:extLst>
               <a:ext uri="{FF2B5EF4-FFF2-40B4-BE49-F238E27FC236}">
-                <a16:creationId xmlns:a16="http://schemas.microsoft.com/office/drawing/2014/main" id="{3ACF330A-0CAA-0967-CE00-76A790F13F45}"/>
+                <a16:creationId xmlns:a16="http://schemas.microsoft.com/office/drawing/2014/main" id="{9094893C-02A4-FBCF-5BBB-F63BC8B69475}"/>
               </a:ext>
             </a:extLst>
           </p:cNvPr>
@@ -783,7 +783,7 @@
           <p:cNvPr id="3" name="内容占位符 2">
             <a:extLst>
               <a:ext uri="{FF2B5EF4-FFF2-40B4-BE49-F238E27FC236}">
-                <a16:creationId xmlns:a16="http://schemas.microsoft.com/office/drawing/2014/main" id="{35A1A971-1FA6-6F15-D2FD-3083336E4CEC}"/>
+                <a16:creationId xmlns:a16="http://schemas.microsoft.com/office/drawing/2014/main" id="{AC3F6D74-BC58-15B0-125C-661789139C13}"/>
               </a:ext>
             </a:extLst>
           </p:cNvPr>
@@ -840,7 +840,7 @@
           <p:cNvPr id="4" name="日期占位符 3">
             <a:extLst>
               <a:ext uri="{FF2B5EF4-FFF2-40B4-BE49-F238E27FC236}">
-                <a16:creationId xmlns:a16="http://schemas.microsoft.com/office/drawing/2014/main" id="{72EC0CE9-56F2-3EA0-570C-298EB77EF0F3}"/>
+                <a16:creationId xmlns:a16="http://schemas.microsoft.com/office/drawing/2014/main" id="{DC9569D0-3128-10F5-B2C6-5EDF3FE35A17}"/>
               </a:ext>
             </a:extLst>
           </p:cNvPr>
@@ -856,7 +856,7 @@
           <a:bodyPr/>
           <a:lstStyle/>
           <a:p>
-            <a:fld id="{2B399C0D-B1AF-471C-8744-A674DDD1ADF7}" type="datetimeFigureOut">
+            <a:fld id="{2ED8842E-FB4A-469B-8337-4248D3E82EE0}" type="datetimeFigureOut">
               <a:rPr lang="zh-CN" altLang="en-US" smtClean="0"/>
               <a:t>2024/3/10</a:t>
             </a:fld>
@@ -869,7 +869,7 @@
           <p:cNvPr id="5" name="页脚占位符 4">
             <a:extLst>
               <a:ext uri="{FF2B5EF4-FFF2-40B4-BE49-F238E27FC236}">
-                <a16:creationId xmlns:a16="http://schemas.microsoft.com/office/drawing/2014/main" id="{8FB06C49-3F32-3A78-26A7-182EBE22C77E}"/>
+                <a16:creationId xmlns:a16="http://schemas.microsoft.com/office/drawing/2014/main" id="{06EA9ADC-28FC-FC9C-9CC1-96ABB6A28BE2}"/>
               </a:ext>
             </a:extLst>
           </p:cNvPr>
@@ -894,7 +894,7 @@
           <p:cNvPr id="6" name="灯片编号占位符 5">
             <a:extLst>
               <a:ext uri="{FF2B5EF4-FFF2-40B4-BE49-F238E27FC236}">
-                <a16:creationId xmlns:a16="http://schemas.microsoft.com/office/drawing/2014/main" id="{4F2EAADE-18FD-8996-2354-479B4E535898}"/>
+                <a16:creationId xmlns:a16="http://schemas.microsoft.com/office/drawing/2014/main" id="{89EB1998-6A69-AEC4-E374-E71949A1E4FD}"/>
               </a:ext>
             </a:extLst>
           </p:cNvPr>
@@ -910,7 +910,7 @@
           <a:bodyPr/>
           <a:lstStyle/>
           <a:p>
-            <a:fld id="{C5B8E292-C179-47E0-A05A-123B148DD652}" type="slidenum">
+            <a:fld id="{EE7692A8-9DFC-4372-89B5-04ADEDB6990D}" type="slidenum">
               <a:rPr lang="zh-CN" altLang="en-US" smtClean="0"/>
               <a:t>‹#›</a:t>
             </a:fld>
@@ -921,7 +921,7 @@
     </p:spTree>
     <p:extLst>
       <p:ext uri="{BB962C8B-B14F-4D97-AF65-F5344CB8AC3E}">
-        <p14:creationId xmlns:p14="http://schemas.microsoft.com/office/powerpoint/2010/main" val="3551848747"/>
+        <p14:creationId xmlns:p14="http://schemas.microsoft.com/office/powerpoint/2010/main" val="1078678817"/>
       </p:ext>
     </p:extLst>
   </p:cSld>
@@ -953,7 +953,7 @@
           <p:cNvPr id="2" name="标题 1">
             <a:extLst>
               <a:ext uri="{FF2B5EF4-FFF2-40B4-BE49-F238E27FC236}">
-                <a16:creationId xmlns:a16="http://schemas.microsoft.com/office/drawing/2014/main" id="{87B16A5D-27D2-5F75-7397-9C27F8A71584}"/>
+                <a16:creationId xmlns:a16="http://schemas.microsoft.com/office/drawing/2014/main" id="{25D0FAAE-C261-D0BF-A3B9-08514227C520}"/>
               </a:ext>
             </a:extLst>
           </p:cNvPr>
@@ -990,7 +990,7 @@
           <p:cNvPr id="3" name="文本占位符 2">
             <a:extLst>
               <a:ext uri="{FF2B5EF4-FFF2-40B4-BE49-F238E27FC236}">
-                <a16:creationId xmlns:a16="http://schemas.microsoft.com/office/drawing/2014/main" id="{B57FAD2E-D4ED-E11D-183D-8BF205953399}"/>
+                <a16:creationId xmlns:a16="http://schemas.microsoft.com/office/drawing/2014/main" id="{141CC2E2-BE76-DB34-6D15-07609B8EDA63}"/>
               </a:ext>
             </a:extLst>
           </p:cNvPr>
@@ -1115,7 +1115,7 @@
           <p:cNvPr id="4" name="日期占位符 3">
             <a:extLst>
               <a:ext uri="{FF2B5EF4-FFF2-40B4-BE49-F238E27FC236}">
-                <a16:creationId xmlns:a16="http://schemas.microsoft.com/office/drawing/2014/main" id="{D88896AE-E8D6-0B24-0949-BA50EBFA5EB6}"/>
+                <a16:creationId xmlns:a16="http://schemas.microsoft.com/office/drawing/2014/main" id="{2C12AAF4-5D2C-E9A9-1E76-9958919F4F53}"/>
               </a:ext>
             </a:extLst>
           </p:cNvPr>
@@ -1131,7 +1131,7 @@
           <a:bodyPr/>
           <a:lstStyle/>
           <a:p>
-            <a:fld id="{2B399C0D-B1AF-471C-8744-A674DDD1ADF7}" type="datetimeFigureOut">
+            <a:fld id="{2ED8842E-FB4A-469B-8337-4248D3E82EE0}" type="datetimeFigureOut">
               <a:rPr lang="zh-CN" altLang="en-US" smtClean="0"/>
               <a:t>2024/3/10</a:t>
             </a:fld>
@@ -1144,7 +1144,7 @@
           <p:cNvPr id="5" name="页脚占位符 4">
             <a:extLst>
               <a:ext uri="{FF2B5EF4-FFF2-40B4-BE49-F238E27FC236}">
-                <a16:creationId xmlns:a16="http://schemas.microsoft.com/office/drawing/2014/main" id="{026CD60C-F6DD-49C2-AE36-236C45309F05}"/>
+                <a16:creationId xmlns:a16="http://schemas.microsoft.com/office/drawing/2014/main" id="{194293D1-CCE4-0F63-3DA5-FA3BF5D01736}"/>
               </a:ext>
             </a:extLst>
           </p:cNvPr>
@@ -1169,7 +1169,7 @@
           <p:cNvPr id="6" name="灯片编号占位符 5">
             <a:extLst>
               <a:ext uri="{FF2B5EF4-FFF2-40B4-BE49-F238E27FC236}">
-                <a16:creationId xmlns:a16="http://schemas.microsoft.com/office/drawing/2014/main" id="{E5254525-589E-D847-CCA8-76B83B2B09CC}"/>
+                <a16:creationId xmlns:a16="http://schemas.microsoft.com/office/drawing/2014/main" id="{39A4103B-D497-AE27-DC78-F75E4512F836}"/>
               </a:ext>
             </a:extLst>
           </p:cNvPr>
@@ -1185,7 +1185,7 @@
           <a:bodyPr/>
           <a:lstStyle/>
           <a:p>
-            <a:fld id="{C5B8E292-C179-47E0-A05A-123B148DD652}" type="slidenum">
+            <a:fld id="{EE7692A8-9DFC-4372-89B5-04ADEDB6990D}" type="slidenum">
               <a:rPr lang="zh-CN" altLang="en-US" smtClean="0"/>
               <a:t>‹#›</a:t>
             </a:fld>
@@ -1196,7 +1196,7 @@
     </p:spTree>
     <p:extLst>
       <p:ext uri="{BB962C8B-B14F-4D97-AF65-F5344CB8AC3E}">
-        <p14:creationId xmlns:p14="http://schemas.microsoft.com/office/powerpoint/2010/main" val="1491900929"/>
+        <p14:creationId xmlns:p14="http://schemas.microsoft.com/office/powerpoint/2010/main" val="3123067593"/>
       </p:ext>
     </p:extLst>
   </p:cSld>
@@ -1228,7 +1228,7 @@
           <p:cNvPr id="2" name="标题 1">
             <a:extLst>
               <a:ext uri="{FF2B5EF4-FFF2-40B4-BE49-F238E27FC236}">
-                <a16:creationId xmlns:a16="http://schemas.microsoft.com/office/drawing/2014/main" id="{91C3A65D-3D9B-C7F1-F6D8-ACCFAF2CD2C5}"/>
+                <a16:creationId xmlns:a16="http://schemas.microsoft.com/office/drawing/2014/main" id="{8968F89C-1388-A1AB-6F90-2E4ABA46670B}"/>
               </a:ext>
             </a:extLst>
           </p:cNvPr>
@@ -1256,7 +1256,7 @@
           <p:cNvPr id="3" name="内容占位符 2">
             <a:extLst>
               <a:ext uri="{FF2B5EF4-FFF2-40B4-BE49-F238E27FC236}">
-                <a16:creationId xmlns:a16="http://schemas.microsoft.com/office/drawing/2014/main" id="{075FD059-78FC-5A73-55FC-5BD5C9E37B50}"/>
+                <a16:creationId xmlns:a16="http://schemas.microsoft.com/office/drawing/2014/main" id="{EC2828D7-6E0D-7C0D-42BB-B6366FF9238A}"/>
               </a:ext>
             </a:extLst>
           </p:cNvPr>
@@ -1318,7 +1318,7 @@
           <p:cNvPr id="4" name="内容占位符 3">
             <a:extLst>
               <a:ext uri="{FF2B5EF4-FFF2-40B4-BE49-F238E27FC236}">
-                <a16:creationId xmlns:a16="http://schemas.microsoft.com/office/drawing/2014/main" id="{269D29D2-27C5-E4A4-FC29-7B4CA7CE89CF}"/>
+                <a16:creationId xmlns:a16="http://schemas.microsoft.com/office/drawing/2014/main" id="{81EACD3A-85A2-0A7F-6DBC-A623F057FE51}"/>
               </a:ext>
             </a:extLst>
           </p:cNvPr>
@@ -1380,7 +1380,7 @@
           <p:cNvPr id="5" name="日期占位符 4">
             <a:extLst>
               <a:ext uri="{FF2B5EF4-FFF2-40B4-BE49-F238E27FC236}">
-                <a16:creationId xmlns:a16="http://schemas.microsoft.com/office/drawing/2014/main" id="{45252201-1723-F5A0-626D-4C4A07B5A694}"/>
+                <a16:creationId xmlns:a16="http://schemas.microsoft.com/office/drawing/2014/main" id="{E688A382-4DEB-411A-1985-72CB743C5694}"/>
               </a:ext>
             </a:extLst>
           </p:cNvPr>
@@ -1396,7 +1396,7 @@
           <a:bodyPr/>
           <a:lstStyle/>
           <a:p>
-            <a:fld id="{2B399C0D-B1AF-471C-8744-A674DDD1ADF7}" type="datetimeFigureOut">
+            <a:fld id="{2ED8842E-FB4A-469B-8337-4248D3E82EE0}" type="datetimeFigureOut">
               <a:rPr lang="zh-CN" altLang="en-US" smtClean="0"/>
               <a:t>2024/3/10</a:t>
             </a:fld>
@@ -1409,7 +1409,7 @@
           <p:cNvPr id="6" name="页脚占位符 5">
             <a:extLst>
               <a:ext uri="{FF2B5EF4-FFF2-40B4-BE49-F238E27FC236}">
-                <a16:creationId xmlns:a16="http://schemas.microsoft.com/office/drawing/2014/main" id="{1B928342-BC3C-BB16-C292-1540CA4D88AC}"/>
+                <a16:creationId xmlns:a16="http://schemas.microsoft.com/office/drawing/2014/main" id="{593E8E76-C844-5600-02C7-A3C5B646DDC5}"/>
               </a:ext>
             </a:extLst>
           </p:cNvPr>
@@ -1434,7 +1434,7 @@
           <p:cNvPr id="7" name="灯片编号占位符 6">
             <a:extLst>
               <a:ext uri="{FF2B5EF4-FFF2-40B4-BE49-F238E27FC236}">
-                <a16:creationId xmlns:a16="http://schemas.microsoft.com/office/drawing/2014/main" id="{A4ABBC85-8BE4-4B2E-9D87-E5B153B6CAFC}"/>
+                <a16:creationId xmlns:a16="http://schemas.microsoft.com/office/drawing/2014/main" id="{1683BD2A-EC0D-BA94-ED11-B7A16BDC5C4E}"/>
               </a:ext>
             </a:extLst>
           </p:cNvPr>
@@ -1450,7 +1450,7 @@
           <a:bodyPr/>
           <a:lstStyle/>
           <a:p>
-            <a:fld id="{C5B8E292-C179-47E0-A05A-123B148DD652}" type="slidenum">
+            <a:fld id="{EE7692A8-9DFC-4372-89B5-04ADEDB6990D}" type="slidenum">
               <a:rPr lang="zh-CN" altLang="en-US" smtClean="0"/>
               <a:t>‹#›</a:t>
             </a:fld>
@@ -1461,7 +1461,7 @@
     </p:spTree>
     <p:extLst>
       <p:ext uri="{BB962C8B-B14F-4D97-AF65-F5344CB8AC3E}">
-        <p14:creationId xmlns:p14="http://schemas.microsoft.com/office/powerpoint/2010/main" val="3489876316"/>
+        <p14:creationId xmlns:p14="http://schemas.microsoft.com/office/powerpoint/2010/main" val="2895932698"/>
       </p:ext>
     </p:extLst>
   </p:cSld>
@@ -1493,7 +1493,7 @@
           <p:cNvPr id="2" name="标题 1">
             <a:extLst>
               <a:ext uri="{FF2B5EF4-FFF2-40B4-BE49-F238E27FC236}">
-                <a16:creationId xmlns:a16="http://schemas.microsoft.com/office/drawing/2014/main" id="{E377F4DE-8656-C689-294B-7A17AEA9BB11}"/>
+                <a16:creationId xmlns:a16="http://schemas.microsoft.com/office/drawing/2014/main" id="{493E2310-E83C-60CD-DE5E-525846C3E358}"/>
               </a:ext>
             </a:extLst>
           </p:cNvPr>
@@ -1526,7 +1526,7 @@
           <p:cNvPr id="3" name="文本占位符 2">
             <a:extLst>
               <a:ext uri="{FF2B5EF4-FFF2-40B4-BE49-F238E27FC236}">
-                <a16:creationId xmlns:a16="http://schemas.microsoft.com/office/drawing/2014/main" id="{6D3D51AA-D77B-1E98-7D9A-25A2545CF8C1}"/>
+                <a16:creationId xmlns:a16="http://schemas.microsoft.com/office/drawing/2014/main" id="{68666BF7-2E6D-C57C-6593-C8C0F1B39E68}"/>
               </a:ext>
             </a:extLst>
           </p:cNvPr>
@@ -1597,7 +1597,7 @@
           <p:cNvPr id="4" name="内容占位符 3">
             <a:extLst>
               <a:ext uri="{FF2B5EF4-FFF2-40B4-BE49-F238E27FC236}">
-                <a16:creationId xmlns:a16="http://schemas.microsoft.com/office/drawing/2014/main" id="{1B0F9150-E09A-7AAF-77A6-257086A3C4F7}"/>
+                <a16:creationId xmlns:a16="http://schemas.microsoft.com/office/drawing/2014/main" id="{4E006A02-8293-B37E-BF9A-DC5B6E543DD8}"/>
               </a:ext>
             </a:extLst>
           </p:cNvPr>
@@ -1659,7 +1659,7 @@
           <p:cNvPr id="5" name="文本占位符 4">
             <a:extLst>
               <a:ext uri="{FF2B5EF4-FFF2-40B4-BE49-F238E27FC236}">
-                <a16:creationId xmlns:a16="http://schemas.microsoft.com/office/drawing/2014/main" id="{C81F1F90-E116-2320-0CD8-62AA83A535AD}"/>
+                <a16:creationId xmlns:a16="http://schemas.microsoft.com/office/drawing/2014/main" id="{30C52526-D11C-B00F-B1CC-AE358E7CC81F}"/>
               </a:ext>
             </a:extLst>
           </p:cNvPr>
@@ -1730,7 +1730,7 @@
           <p:cNvPr id="6" name="内容占位符 5">
             <a:extLst>
               <a:ext uri="{FF2B5EF4-FFF2-40B4-BE49-F238E27FC236}">
-                <a16:creationId xmlns:a16="http://schemas.microsoft.com/office/drawing/2014/main" id="{B8848A9E-4597-014A-163A-1A52D8CDA8A1}"/>
+                <a16:creationId xmlns:a16="http://schemas.microsoft.com/office/drawing/2014/main" id="{50CCE13A-B1AA-DCFE-B2AA-9D07826739C9}"/>
               </a:ext>
             </a:extLst>
           </p:cNvPr>
@@ -1792,7 +1792,7 @@
           <p:cNvPr id="7" name="日期占位符 6">
             <a:extLst>
               <a:ext uri="{FF2B5EF4-FFF2-40B4-BE49-F238E27FC236}">
-                <a16:creationId xmlns:a16="http://schemas.microsoft.com/office/drawing/2014/main" id="{028AB25C-48DF-A745-181E-70CCC1DF7B46}"/>
+                <a16:creationId xmlns:a16="http://schemas.microsoft.com/office/drawing/2014/main" id="{F1DB047A-3FBC-B075-9712-5EB5D5353F02}"/>
               </a:ext>
             </a:extLst>
           </p:cNvPr>
@@ -1808,7 +1808,7 @@
           <a:bodyPr/>
           <a:lstStyle/>
           <a:p>
-            <a:fld id="{2B399C0D-B1AF-471C-8744-A674DDD1ADF7}" type="datetimeFigureOut">
+            <a:fld id="{2ED8842E-FB4A-469B-8337-4248D3E82EE0}" type="datetimeFigureOut">
               <a:rPr lang="zh-CN" altLang="en-US" smtClean="0"/>
               <a:t>2024/3/10</a:t>
             </a:fld>
@@ -1821,7 +1821,7 @@
           <p:cNvPr id="8" name="页脚占位符 7">
             <a:extLst>
               <a:ext uri="{FF2B5EF4-FFF2-40B4-BE49-F238E27FC236}">
-                <a16:creationId xmlns:a16="http://schemas.microsoft.com/office/drawing/2014/main" id="{1025B8E8-1535-8E02-5CC6-05F3E50564A1}"/>
+                <a16:creationId xmlns:a16="http://schemas.microsoft.com/office/drawing/2014/main" id="{FCC37C48-D66E-54EE-FC19-3469543DE817}"/>
               </a:ext>
             </a:extLst>
           </p:cNvPr>
@@ -1846,7 +1846,7 @@
           <p:cNvPr id="9" name="灯片编号占位符 8">
             <a:extLst>
               <a:ext uri="{FF2B5EF4-FFF2-40B4-BE49-F238E27FC236}">
-                <a16:creationId xmlns:a16="http://schemas.microsoft.com/office/drawing/2014/main" id="{EA58BB5A-A482-4319-929A-102D5F6F900C}"/>
+                <a16:creationId xmlns:a16="http://schemas.microsoft.com/office/drawing/2014/main" id="{A21580C4-2447-B5C1-849F-114BB1AEB7D8}"/>
               </a:ext>
             </a:extLst>
           </p:cNvPr>
@@ -1862,7 +1862,7 @@
           <a:bodyPr/>
           <a:lstStyle/>
           <a:p>
-            <a:fld id="{C5B8E292-C179-47E0-A05A-123B148DD652}" type="slidenum">
+            <a:fld id="{EE7692A8-9DFC-4372-89B5-04ADEDB6990D}" type="slidenum">
               <a:rPr lang="zh-CN" altLang="en-US" smtClean="0"/>
               <a:t>‹#›</a:t>
             </a:fld>
@@ -1873,7 +1873,7 @@
     </p:spTree>
     <p:extLst>
       <p:ext uri="{BB962C8B-B14F-4D97-AF65-F5344CB8AC3E}">
-        <p14:creationId xmlns:p14="http://schemas.microsoft.com/office/powerpoint/2010/main" val="1735125187"/>
+        <p14:creationId xmlns:p14="http://schemas.microsoft.com/office/powerpoint/2010/main" val="965316227"/>
       </p:ext>
     </p:extLst>
   </p:cSld>
@@ -1905,7 +1905,7 @@
           <p:cNvPr id="2" name="标题 1">
             <a:extLst>
               <a:ext uri="{FF2B5EF4-FFF2-40B4-BE49-F238E27FC236}">
-                <a16:creationId xmlns:a16="http://schemas.microsoft.com/office/drawing/2014/main" id="{8B58852F-1973-435A-0C70-C6C4FACF7267}"/>
+                <a16:creationId xmlns:a16="http://schemas.microsoft.com/office/drawing/2014/main" id="{9B459420-9CC5-5203-57F4-B6372EEC3226}"/>
               </a:ext>
             </a:extLst>
           </p:cNvPr>
@@ -1933,7 +1933,7 @@
           <p:cNvPr id="3" name="日期占位符 2">
             <a:extLst>
               <a:ext uri="{FF2B5EF4-FFF2-40B4-BE49-F238E27FC236}">
-                <a16:creationId xmlns:a16="http://schemas.microsoft.com/office/drawing/2014/main" id="{EE4161C0-7ADB-F6CE-A64A-CAAEB8F49063}"/>
+                <a16:creationId xmlns:a16="http://schemas.microsoft.com/office/drawing/2014/main" id="{C7AFA44A-C14A-F515-06B2-8CFEF2A409F8}"/>
               </a:ext>
             </a:extLst>
           </p:cNvPr>
@@ -1949,7 +1949,7 @@
           <a:bodyPr/>
           <a:lstStyle/>
           <a:p>
-            <a:fld id="{2B399C0D-B1AF-471C-8744-A674DDD1ADF7}" type="datetimeFigureOut">
+            <a:fld id="{2ED8842E-FB4A-469B-8337-4248D3E82EE0}" type="datetimeFigureOut">
               <a:rPr lang="zh-CN" altLang="en-US" smtClean="0"/>
               <a:t>2024/3/10</a:t>
             </a:fld>
@@ -1962,7 +1962,7 @@
           <p:cNvPr id="4" name="页脚占位符 3">
             <a:extLst>
               <a:ext uri="{FF2B5EF4-FFF2-40B4-BE49-F238E27FC236}">
-                <a16:creationId xmlns:a16="http://schemas.microsoft.com/office/drawing/2014/main" id="{D50C319F-51BB-E174-A323-8061675EAB05}"/>
+                <a16:creationId xmlns:a16="http://schemas.microsoft.com/office/drawing/2014/main" id="{12B92265-E31B-3CB8-767B-FAA1B5FCF29A}"/>
               </a:ext>
             </a:extLst>
           </p:cNvPr>
@@ -1987,7 +1987,7 @@
           <p:cNvPr id="5" name="灯片编号占位符 4">
             <a:extLst>
               <a:ext uri="{FF2B5EF4-FFF2-40B4-BE49-F238E27FC236}">
-                <a16:creationId xmlns:a16="http://schemas.microsoft.com/office/drawing/2014/main" id="{95718546-4151-5D56-7147-847EE86E0E77}"/>
+                <a16:creationId xmlns:a16="http://schemas.microsoft.com/office/drawing/2014/main" id="{45DEF09C-182C-0097-0EBE-DB7CF4DDE29F}"/>
               </a:ext>
             </a:extLst>
           </p:cNvPr>
@@ -2003,7 +2003,7 @@
           <a:bodyPr/>
           <a:lstStyle/>
           <a:p>
-            <a:fld id="{C5B8E292-C179-47E0-A05A-123B148DD652}" type="slidenum">
+            <a:fld id="{EE7692A8-9DFC-4372-89B5-04ADEDB6990D}" type="slidenum">
               <a:rPr lang="zh-CN" altLang="en-US" smtClean="0"/>
               <a:t>‹#›</a:t>
             </a:fld>
@@ -2014,7 +2014,7 @@
     </p:spTree>
     <p:extLst>
       <p:ext uri="{BB962C8B-B14F-4D97-AF65-F5344CB8AC3E}">
-        <p14:creationId xmlns:p14="http://schemas.microsoft.com/office/powerpoint/2010/main" val="2470657960"/>
+        <p14:creationId xmlns:p14="http://schemas.microsoft.com/office/powerpoint/2010/main" val="1207111997"/>
       </p:ext>
     </p:extLst>
   </p:cSld>
@@ -2046,7 +2046,7 @@
           <p:cNvPr id="2" name="日期占位符 1">
             <a:extLst>
               <a:ext uri="{FF2B5EF4-FFF2-40B4-BE49-F238E27FC236}">
-                <a16:creationId xmlns:a16="http://schemas.microsoft.com/office/drawing/2014/main" id="{99C774C1-904A-EAAD-1DBC-0C0DF0AC5967}"/>
+                <a16:creationId xmlns:a16="http://schemas.microsoft.com/office/drawing/2014/main" id="{9F8A309B-0C52-41C9-53D1-F38EA54F11B5}"/>
               </a:ext>
             </a:extLst>
           </p:cNvPr>
@@ -2062,7 +2062,7 @@
           <a:bodyPr/>
           <a:lstStyle/>
           <a:p>
-            <a:fld id="{2B399C0D-B1AF-471C-8744-A674DDD1ADF7}" type="datetimeFigureOut">
+            <a:fld id="{2ED8842E-FB4A-469B-8337-4248D3E82EE0}" type="datetimeFigureOut">
               <a:rPr lang="zh-CN" altLang="en-US" smtClean="0"/>
               <a:t>2024/3/10</a:t>
             </a:fld>
@@ -2075,7 +2075,7 @@
           <p:cNvPr id="3" name="页脚占位符 2">
             <a:extLst>
               <a:ext uri="{FF2B5EF4-FFF2-40B4-BE49-F238E27FC236}">
-                <a16:creationId xmlns:a16="http://schemas.microsoft.com/office/drawing/2014/main" id="{986F91BA-6C92-E5BE-B52E-ED9758C94403}"/>
+                <a16:creationId xmlns:a16="http://schemas.microsoft.com/office/drawing/2014/main" id="{478ABFF3-D68F-8A39-BC95-7FF63E3AE408}"/>
               </a:ext>
             </a:extLst>
           </p:cNvPr>
@@ -2100,7 +2100,7 @@
           <p:cNvPr id="4" name="灯片编号占位符 3">
             <a:extLst>
               <a:ext uri="{FF2B5EF4-FFF2-40B4-BE49-F238E27FC236}">
-                <a16:creationId xmlns:a16="http://schemas.microsoft.com/office/drawing/2014/main" id="{97ED72CD-A5EE-BADE-B551-3868D6D1C757}"/>
+                <a16:creationId xmlns:a16="http://schemas.microsoft.com/office/drawing/2014/main" id="{A3DA6746-BE4B-B357-5188-0E5524BE7F98}"/>
               </a:ext>
             </a:extLst>
           </p:cNvPr>
@@ -2116,7 +2116,7 @@
           <a:bodyPr/>
           <a:lstStyle/>
           <a:p>
-            <a:fld id="{C5B8E292-C179-47E0-A05A-123B148DD652}" type="slidenum">
+            <a:fld id="{EE7692A8-9DFC-4372-89B5-04ADEDB6990D}" type="slidenum">
               <a:rPr lang="zh-CN" altLang="en-US" smtClean="0"/>
               <a:t>‹#›</a:t>
             </a:fld>
@@ -2127,7 +2127,7 @@
     </p:spTree>
     <p:extLst>
       <p:ext uri="{BB962C8B-B14F-4D97-AF65-F5344CB8AC3E}">
-        <p14:creationId xmlns:p14="http://schemas.microsoft.com/office/powerpoint/2010/main" val="3108476005"/>
+        <p14:creationId xmlns:p14="http://schemas.microsoft.com/office/powerpoint/2010/main" val="4265679603"/>
       </p:ext>
     </p:extLst>
   </p:cSld>
@@ -2159,7 +2159,7 @@
           <p:cNvPr id="2" name="标题 1">
             <a:extLst>
               <a:ext uri="{FF2B5EF4-FFF2-40B4-BE49-F238E27FC236}">
-                <a16:creationId xmlns:a16="http://schemas.microsoft.com/office/drawing/2014/main" id="{5793EC25-494F-6D45-43A4-7FD2C9366707}"/>
+                <a16:creationId xmlns:a16="http://schemas.microsoft.com/office/drawing/2014/main" id="{E28FFCD5-A3BE-03D5-1335-98D425D88BBD}"/>
               </a:ext>
             </a:extLst>
           </p:cNvPr>
@@ -2196,7 +2196,7 @@
           <p:cNvPr id="3" name="内容占位符 2">
             <a:extLst>
               <a:ext uri="{FF2B5EF4-FFF2-40B4-BE49-F238E27FC236}">
-                <a16:creationId xmlns:a16="http://schemas.microsoft.com/office/drawing/2014/main" id="{A5FF510F-BA73-F6C2-E8F1-A4A86DB8136A}"/>
+                <a16:creationId xmlns:a16="http://schemas.microsoft.com/office/drawing/2014/main" id="{794D403B-DE5F-0DC8-2DCF-E4C65ACE3131}"/>
               </a:ext>
             </a:extLst>
           </p:cNvPr>
@@ -2286,7 +2286,7 @@
           <p:cNvPr id="4" name="文本占位符 3">
             <a:extLst>
               <a:ext uri="{FF2B5EF4-FFF2-40B4-BE49-F238E27FC236}">
-                <a16:creationId xmlns:a16="http://schemas.microsoft.com/office/drawing/2014/main" id="{4CF5144F-6AEC-6807-4272-97400F441B91}"/>
+                <a16:creationId xmlns:a16="http://schemas.microsoft.com/office/drawing/2014/main" id="{FC36546E-A9CD-34BF-23A8-79B3AF09B7D8}"/>
               </a:ext>
             </a:extLst>
           </p:cNvPr>
@@ -2357,7 +2357,7 @@
           <p:cNvPr id="5" name="日期占位符 4">
             <a:extLst>
               <a:ext uri="{FF2B5EF4-FFF2-40B4-BE49-F238E27FC236}">
-                <a16:creationId xmlns:a16="http://schemas.microsoft.com/office/drawing/2014/main" id="{0B668EAA-C0AF-2DC2-510E-2D07E9DCA335}"/>
+                <a16:creationId xmlns:a16="http://schemas.microsoft.com/office/drawing/2014/main" id="{3BCFB8C6-1EDF-4686-0271-615518B6B342}"/>
               </a:ext>
             </a:extLst>
           </p:cNvPr>
@@ -2373,7 +2373,7 @@
           <a:bodyPr/>
           <a:lstStyle/>
           <a:p>
-            <a:fld id="{2B399C0D-B1AF-471C-8744-A674DDD1ADF7}" type="datetimeFigureOut">
+            <a:fld id="{2ED8842E-FB4A-469B-8337-4248D3E82EE0}" type="datetimeFigureOut">
               <a:rPr lang="zh-CN" altLang="en-US" smtClean="0"/>
               <a:t>2024/3/10</a:t>
             </a:fld>
@@ -2386,7 +2386,7 @@
           <p:cNvPr id="6" name="页脚占位符 5">
             <a:extLst>
               <a:ext uri="{FF2B5EF4-FFF2-40B4-BE49-F238E27FC236}">
-                <a16:creationId xmlns:a16="http://schemas.microsoft.com/office/drawing/2014/main" id="{C35D543E-E895-6E12-5632-AEF7F63DEB8A}"/>
+                <a16:creationId xmlns:a16="http://schemas.microsoft.com/office/drawing/2014/main" id="{E010E603-5BA6-52D7-E07D-BF54B97B6F81}"/>
               </a:ext>
             </a:extLst>
           </p:cNvPr>
@@ -2411,7 +2411,7 @@
           <p:cNvPr id="7" name="灯片编号占位符 6">
             <a:extLst>
               <a:ext uri="{FF2B5EF4-FFF2-40B4-BE49-F238E27FC236}">
-                <a16:creationId xmlns:a16="http://schemas.microsoft.com/office/drawing/2014/main" id="{CD38F5D5-41B3-E159-E44E-417BB85DAB18}"/>
+                <a16:creationId xmlns:a16="http://schemas.microsoft.com/office/drawing/2014/main" id="{7FCC61B0-DF0C-4E23-74DE-9BE9EF8B6585}"/>
               </a:ext>
             </a:extLst>
           </p:cNvPr>
@@ -2427,7 +2427,7 @@
           <a:bodyPr/>
           <a:lstStyle/>
           <a:p>
-            <a:fld id="{C5B8E292-C179-47E0-A05A-123B148DD652}" type="slidenum">
+            <a:fld id="{EE7692A8-9DFC-4372-89B5-04ADEDB6990D}" type="slidenum">
               <a:rPr lang="zh-CN" altLang="en-US" smtClean="0"/>
               <a:t>‹#›</a:t>
             </a:fld>
@@ -2438,7 +2438,7 @@
     </p:spTree>
     <p:extLst>
       <p:ext uri="{BB962C8B-B14F-4D97-AF65-F5344CB8AC3E}">
-        <p14:creationId xmlns:p14="http://schemas.microsoft.com/office/powerpoint/2010/main" val="2814692548"/>
+        <p14:creationId xmlns:p14="http://schemas.microsoft.com/office/powerpoint/2010/main" val="3046335400"/>
       </p:ext>
     </p:extLst>
   </p:cSld>
@@ -2470,7 +2470,7 @@
           <p:cNvPr id="2" name="标题 1">
             <a:extLst>
               <a:ext uri="{FF2B5EF4-FFF2-40B4-BE49-F238E27FC236}">
-                <a16:creationId xmlns:a16="http://schemas.microsoft.com/office/drawing/2014/main" id="{18B3BB4C-CB40-6B33-E3C3-6E38A397CE7A}"/>
+                <a16:creationId xmlns:a16="http://schemas.microsoft.com/office/drawing/2014/main" id="{8C69375E-C8F8-711E-8986-7AC42FB9C4FF}"/>
               </a:ext>
             </a:extLst>
           </p:cNvPr>
@@ -2507,7 +2507,7 @@
           <p:cNvPr id="3" name="图片占位符 2">
             <a:extLst>
               <a:ext uri="{FF2B5EF4-FFF2-40B4-BE49-F238E27FC236}">
-                <a16:creationId xmlns:a16="http://schemas.microsoft.com/office/drawing/2014/main" id="{9BB09151-EEEE-6E0C-6B27-54FDDB60684F}"/>
+                <a16:creationId xmlns:a16="http://schemas.microsoft.com/office/drawing/2014/main" id="{EB6351DC-F13C-6C9C-B2AE-9AC5E7903F54}"/>
               </a:ext>
             </a:extLst>
           </p:cNvPr>
@@ -2574,7 +2574,7 @@
           <p:cNvPr id="4" name="文本占位符 3">
             <a:extLst>
               <a:ext uri="{FF2B5EF4-FFF2-40B4-BE49-F238E27FC236}">
-                <a16:creationId xmlns:a16="http://schemas.microsoft.com/office/drawing/2014/main" id="{03A3E3DF-79A9-4B69-9EAE-4BCAF99C1FBC}"/>
+                <a16:creationId xmlns:a16="http://schemas.microsoft.com/office/drawing/2014/main" id="{3F20DF7A-8F53-B8C8-C3EC-9E9A15ED04BA}"/>
               </a:ext>
             </a:extLst>
           </p:cNvPr>
@@ -2645,7 +2645,7 @@
           <p:cNvPr id="5" name="日期占位符 4">
             <a:extLst>
               <a:ext uri="{FF2B5EF4-FFF2-40B4-BE49-F238E27FC236}">
-                <a16:creationId xmlns:a16="http://schemas.microsoft.com/office/drawing/2014/main" id="{87829FE5-737C-C68D-23D0-D80173AA6825}"/>
+                <a16:creationId xmlns:a16="http://schemas.microsoft.com/office/drawing/2014/main" id="{6CBE4B6C-5A1F-52EC-5CD3-6F879EF19318}"/>
               </a:ext>
             </a:extLst>
           </p:cNvPr>
@@ -2661,7 +2661,7 @@
           <a:bodyPr/>
           <a:lstStyle/>
           <a:p>
-            <a:fld id="{2B399C0D-B1AF-471C-8744-A674DDD1ADF7}" type="datetimeFigureOut">
+            <a:fld id="{2ED8842E-FB4A-469B-8337-4248D3E82EE0}" type="datetimeFigureOut">
               <a:rPr lang="zh-CN" altLang="en-US" smtClean="0"/>
               <a:t>2024/3/10</a:t>
             </a:fld>
@@ -2674,7 +2674,7 @@
           <p:cNvPr id="6" name="页脚占位符 5">
             <a:extLst>
               <a:ext uri="{FF2B5EF4-FFF2-40B4-BE49-F238E27FC236}">
-                <a16:creationId xmlns:a16="http://schemas.microsoft.com/office/drawing/2014/main" id="{DB408661-64DB-5CD7-3298-EF3FFA1EB12A}"/>
+                <a16:creationId xmlns:a16="http://schemas.microsoft.com/office/drawing/2014/main" id="{93A5CE41-04C0-D4F5-CC11-800DEE1B59C9}"/>
               </a:ext>
             </a:extLst>
           </p:cNvPr>
@@ -2699,7 +2699,7 @@
           <p:cNvPr id="7" name="灯片编号占位符 6">
             <a:extLst>
               <a:ext uri="{FF2B5EF4-FFF2-40B4-BE49-F238E27FC236}">
-                <a16:creationId xmlns:a16="http://schemas.microsoft.com/office/drawing/2014/main" id="{DCC13C86-289D-D8E1-09CD-F5EB4023A62D}"/>
+                <a16:creationId xmlns:a16="http://schemas.microsoft.com/office/drawing/2014/main" id="{8BA67B31-A706-64CE-28C6-EE837A35151E}"/>
               </a:ext>
             </a:extLst>
           </p:cNvPr>
@@ -2715,7 +2715,7 @@
           <a:bodyPr/>
           <a:lstStyle/>
           <a:p>
-            <a:fld id="{C5B8E292-C179-47E0-A05A-123B148DD652}" type="slidenum">
+            <a:fld id="{EE7692A8-9DFC-4372-89B5-04ADEDB6990D}" type="slidenum">
               <a:rPr lang="zh-CN" altLang="en-US" smtClean="0"/>
               <a:t>‹#›</a:t>
             </a:fld>
@@ -2726,7 +2726,7 @@
     </p:spTree>
     <p:extLst>
       <p:ext uri="{BB962C8B-B14F-4D97-AF65-F5344CB8AC3E}">
-        <p14:creationId xmlns:p14="http://schemas.microsoft.com/office/powerpoint/2010/main" val="2586945513"/>
+        <p14:creationId xmlns:p14="http://schemas.microsoft.com/office/powerpoint/2010/main" val="54788394"/>
       </p:ext>
     </p:extLst>
   </p:cSld>
@@ -2763,7 +2763,7 @@
           <p:cNvPr id="2" name="标题占位符 1">
             <a:extLst>
               <a:ext uri="{FF2B5EF4-FFF2-40B4-BE49-F238E27FC236}">
-                <a16:creationId xmlns:a16="http://schemas.microsoft.com/office/drawing/2014/main" id="{1744DC04-690B-E8E3-9058-75ED64EB57D2}"/>
+                <a16:creationId xmlns:a16="http://schemas.microsoft.com/office/drawing/2014/main" id="{8553872E-55B2-4ADA-A472-721D1EF829A5}"/>
               </a:ext>
             </a:extLst>
           </p:cNvPr>
@@ -2801,7 +2801,7 @@
           <p:cNvPr id="3" name="文本占位符 2">
             <a:extLst>
               <a:ext uri="{FF2B5EF4-FFF2-40B4-BE49-F238E27FC236}">
-                <a16:creationId xmlns:a16="http://schemas.microsoft.com/office/drawing/2014/main" id="{9CD5F4B0-9D5C-5640-844A-62BC9BE73190}"/>
+                <a16:creationId xmlns:a16="http://schemas.microsoft.com/office/drawing/2014/main" id="{AFEBBCC0-E334-0037-9770-F1FB2B44A7D9}"/>
               </a:ext>
             </a:extLst>
           </p:cNvPr>
@@ -2868,7 +2868,7 @@
           <p:cNvPr id="4" name="日期占位符 3">
             <a:extLst>
               <a:ext uri="{FF2B5EF4-FFF2-40B4-BE49-F238E27FC236}">
-                <a16:creationId xmlns:a16="http://schemas.microsoft.com/office/drawing/2014/main" id="{F7DE8919-C8F7-7436-ED4C-83B6C3F76862}"/>
+                <a16:creationId xmlns:a16="http://schemas.microsoft.com/office/drawing/2014/main" id="{D578AADC-F234-1308-F34A-A42878B12579}"/>
               </a:ext>
             </a:extLst>
           </p:cNvPr>
@@ -2902,7 +2902,7 @@
             </a:lvl1pPr>
           </a:lstStyle>
           <a:p>
-            <a:fld id="{2B399C0D-B1AF-471C-8744-A674DDD1ADF7}" type="datetimeFigureOut">
+            <a:fld id="{2ED8842E-FB4A-469B-8337-4248D3E82EE0}" type="datetimeFigureOut">
               <a:rPr lang="zh-CN" altLang="en-US" smtClean="0"/>
               <a:t>2024/3/10</a:t>
             </a:fld>
@@ -2915,7 +2915,7 @@
           <p:cNvPr id="5" name="页脚占位符 4">
             <a:extLst>
               <a:ext uri="{FF2B5EF4-FFF2-40B4-BE49-F238E27FC236}">
-                <a16:creationId xmlns:a16="http://schemas.microsoft.com/office/drawing/2014/main" id="{C9531A30-361F-19DB-39CF-6CE7EDE669A9}"/>
+                <a16:creationId xmlns:a16="http://schemas.microsoft.com/office/drawing/2014/main" id="{E48DA87C-34AA-3E87-B436-ACD6675EA5E9}"/>
               </a:ext>
             </a:extLst>
           </p:cNvPr>
@@ -2958,7 +2958,7 @@
           <p:cNvPr id="6" name="灯片编号占位符 5">
             <a:extLst>
               <a:ext uri="{FF2B5EF4-FFF2-40B4-BE49-F238E27FC236}">
-                <a16:creationId xmlns:a16="http://schemas.microsoft.com/office/drawing/2014/main" id="{2501E019-F8E2-8BE6-B9EB-5A0AC8DB3A2A}"/>
+                <a16:creationId xmlns:a16="http://schemas.microsoft.com/office/drawing/2014/main" id="{03597644-E666-F8A5-2CB9-32D80A58E10F}"/>
               </a:ext>
             </a:extLst>
           </p:cNvPr>
@@ -2992,7 +2992,7 @@
             </a:lvl1pPr>
           </a:lstStyle>
           <a:p>
-            <a:fld id="{C5B8E292-C179-47E0-A05A-123B148DD652}" type="slidenum">
+            <a:fld id="{EE7692A8-9DFC-4372-89B5-04ADEDB6990D}" type="slidenum">
               <a:rPr lang="zh-CN" altLang="en-US" smtClean="0"/>
               <a:t>‹#›</a:t>
             </a:fld>
@@ -3003,7 +3003,7 @@
     </p:spTree>
     <p:extLst>
       <p:ext uri="{BB962C8B-B14F-4D97-AF65-F5344CB8AC3E}">
-        <p14:creationId xmlns:p14="http://schemas.microsoft.com/office/powerpoint/2010/main" val="2090950821"/>
+        <p14:creationId xmlns:p14="http://schemas.microsoft.com/office/powerpoint/2010/main" val="2619931741"/>
       </p:ext>
     </p:extLst>
   </p:cSld>
@@ -3323,7 +3323,7 @@
       </p:grpSpPr>
       <p:pic>
         <p:nvPicPr>
-          <p:cNvPr id="1155074" name="Picture 2" descr="1127"/>
+          <p:cNvPr id="1156098" name="Picture 2" descr="1128"/>
           <p:cNvPicPr>
             <a:picLocks noChangeAspect="1" noChangeArrowheads="1"/>
           </p:cNvPicPr>
@@ -3345,7 +3345,7 @@
         <p:spPr bwMode="auto">
           <a:xfrm>
             <a:off x="1524000" y="0"/>
-            <a:ext cx="9124950" cy="6845300"/>
+            <a:ext cx="9144000" cy="6858000"/>
           </a:xfrm>
           <a:prstGeom prst="rect">
             <a:avLst/>
